--- a/Lógica Programación/LP_Sesión7.pptx
+++ b/Lógica Programación/LP_Sesión7.pptx
@@ -220,7 +220,7 @@
           <a:p>
             <a:fld id="{7FF7D7FF-DDC7-474C-8526-899954A31AD1}" type="datetimeFigureOut">
               <a:rPr lang="es-EC" smtClean="0"/>
-              <a:t>6/1/2025</a:t>
+              <a:t>12/1/2025</a:t>
             </a:fld>
             <a:endParaRPr lang="es-EC"/>
           </a:p>
@@ -646,7 +646,7 @@
           <a:p>
             <a:fld id="{8FEB83C7-CE7D-EE43-931B-A983B2AE7CF3}" type="datetimeFigureOut">
               <a:rPr lang="es-EC" smtClean="0"/>
-              <a:t>6/1/2025</a:t>
+              <a:t>12/1/2025</a:t>
             </a:fld>
             <a:endParaRPr lang="es-EC"/>
           </a:p>
@@ -1128,7 +1128,15 @@
           <a:p>
             <a:r>
               <a:rPr lang="es-ES" dirty="0"/>
-              <a:t>Introducción, conceptos básicos, ejemplificación de IDES, </a:t>
+              <a:t>Introducción, conceptos básicos, ejemplificación de </a:t>
+            </a:r>
+            <a:r>
+              <a:rPr lang="es-ES" dirty="0" err="1"/>
+              <a:t>IDEs</a:t>
+            </a:r>
+            <a:r>
+              <a:rPr lang="es-ES" dirty="0"/>
+              <a:t>, </a:t>
             </a:r>
           </a:p>
           <a:p>
